--- a/18_DoWhileLoop.pptx
+++ b/18_DoWhileLoop.pptx
@@ -3719,18 +3719,13 @@
               <a:buChar char="u"/>
             </a:pPr>
             <a:r>
-              <a:rPr lang="en-US" sz="1800" b="1">
+              <a:rPr lang="en-US" sz="1800" b="1" dirty="0">
                 <a:solidFill>
                   <a:schemeClr val="tx1"/>
                 </a:solidFill>
               </a:rPr>
-              <a:t>While Loop</a:t>
-            </a:r>
-            <a:endParaRPr lang="en-US" sz="1800" b="1" dirty="0">
-              <a:solidFill>
-                <a:schemeClr val="tx1"/>
-              </a:solidFill>
-            </a:endParaRPr>
+              <a:t>Do While Loop</a:t>
+            </a:r>
           </a:p>
         </p:txBody>
       </p:sp>
